--- a/phase3.pptx
+++ b/phase3.pptx
@@ -7149,7 +7149,7 @@
             </a:r>
             <a:r>
               <a:rPr lang="cs-CZ" dirty="0" err="1"/>
-              <a:t>servuce</a:t>
+              <a:t>service</a:t>
             </a:r>
             <a:endParaRPr lang="cs-CZ" dirty="0"/>
           </a:p>
@@ -7179,7 +7179,7 @@
               <a:t> </a:t>
             </a:r>
             <a:r>
-              <a:rPr lang="cs-CZ"/>
+              <a:rPr lang="cs-CZ" dirty="0" err="1"/>
               <a:t>protection</a:t>
             </a:r>
             <a:endParaRPr lang="en-US" dirty="0"/>
